--- a/Figures/tageconfig.pptx
+++ b/Figures/tageconfig.pptx
@@ -3452,7 +3452,7 @@
             <a:pPr algn="ctr"/>
             <a:r>
               <a:rPr lang="en-US" sz="1200" dirty="0" smtClean="0"/>
-              <a:t>TAGE </a:t>
+              <a:t>Tagged </a:t>
             </a:r>
             <a:r>
               <a:rPr lang="en-US" sz="1200" dirty="0" err="1" smtClean="0"/>
@@ -4407,11 +4407,11 @@
           <a:p>
             <a:pPr algn="ctr"/>
             <a:r>
-              <a:rPr lang="en-US" sz="1200" dirty="0" smtClean="0"/>
-              <a:t>TAGE </a:t>
-            </a:r>
-            <a:r>
-              <a:rPr lang="en-US" sz="1200" dirty="0" err="1" smtClean="0"/>
+              <a:rPr lang="en-US" sz="1200" dirty="0"/>
+              <a:t>Tagged </a:t>
+            </a:r>
+            <a:r>
+              <a:rPr lang="en-US" sz="1200" dirty="0" err="1"/>
               <a:t>Componets</a:t>
             </a:r>
             <a:endParaRPr lang="en-US" sz="1200" baseline="-25000" dirty="0"/>
@@ -5446,12 +5446,8 @@
           <a:p>
             <a:pPr algn="ctr"/>
             <a:r>
-              <a:rPr lang="en-US" sz="1200" dirty="0" smtClean="0"/>
-              <a:t>TAGE </a:t>
-            </a:r>
-            <a:r>
-              <a:rPr lang="en-US" sz="1200" dirty="0" err="1" smtClean="0"/>
-              <a:t>Componets</a:t>
+              <a:rPr lang="en-US" sz="1200"/>
+              <a:t>Tagged Componets</a:t>
             </a:r>
             <a:endParaRPr lang="en-US" sz="1200" baseline="-25000" dirty="0"/>
           </a:p>
